--- a/Presentation1-protection.pptx
+++ b/Presentation1-protection.pptx
@@ -1807,7 +1807,7 @@
           <a:p>
             <a:fld id="{EE9402D9-778F-0D48-A962-BFFF01F3C929}" type="datetimeFigureOut">
               <a:rPr lang="en-RU" smtClean="0"/>
-              <a:t>9/20/21</a:t>
+              <a:t>9/21/21</a:t>
             </a:fld>
             <a:endParaRPr lang="en-RU"/>
           </a:p>
@@ -2007,7 +2007,7 @@
           <a:p>
             <a:fld id="{EE9402D9-778F-0D48-A962-BFFF01F3C929}" type="datetimeFigureOut">
               <a:rPr lang="en-RU" smtClean="0"/>
-              <a:t>9/20/21</a:t>
+              <a:t>9/21/21</a:t>
             </a:fld>
             <a:endParaRPr lang="en-RU"/>
           </a:p>
@@ -2217,7 +2217,7 @@
           <a:p>
             <a:fld id="{EE9402D9-778F-0D48-A962-BFFF01F3C929}" type="datetimeFigureOut">
               <a:rPr lang="en-RU" smtClean="0"/>
-              <a:t>9/20/21</a:t>
+              <a:t>9/21/21</a:t>
             </a:fld>
             <a:endParaRPr lang="en-RU"/>
           </a:p>
@@ -2417,7 +2417,7 @@
           <a:p>
             <a:fld id="{EE9402D9-778F-0D48-A962-BFFF01F3C929}" type="datetimeFigureOut">
               <a:rPr lang="en-RU" smtClean="0"/>
-              <a:t>9/20/21</a:t>
+              <a:t>9/21/21</a:t>
             </a:fld>
             <a:endParaRPr lang="en-RU"/>
           </a:p>
@@ -2693,7 +2693,7 @@
           <a:p>
             <a:fld id="{EE9402D9-778F-0D48-A962-BFFF01F3C929}" type="datetimeFigureOut">
               <a:rPr lang="en-RU" smtClean="0"/>
-              <a:t>9/20/21</a:t>
+              <a:t>9/21/21</a:t>
             </a:fld>
             <a:endParaRPr lang="en-RU"/>
           </a:p>
@@ -2961,7 +2961,7 @@
           <a:p>
             <a:fld id="{EE9402D9-778F-0D48-A962-BFFF01F3C929}" type="datetimeFigureOut">
               <a:rPr lang="en-RU" smtClean="0"/>
-              <a:t>9/20/21</a:t>
+              <a:t>9/21/21</a:t>
             </a:fld>
             <a:endParaRPr lang="en-RU"/>
           </a:p>
@@ -3376,7 +3376,7 @@
           <a:p>
             <a:fld id="{EE9402D9-778F-0D48-A962-BFFF01F3C929}" type="datetimeFigureOut">
               <a:rPr lang="en-RU" smtClean="0"/>
-              <a:t>9/20/21</a:t>
+              <a:t>9/21/21</a:t>
             </a:fld>
             <a:endParaRPr lang="en-RU"/>
           </a:p>
@@ -3518,7 +3518,7 @@
           <a:p>
             <a:fld id="{EE9402D9-778F-0D48-A962-BFFF01F3C929}" type="datetimeFigureOut">
               <a:rPr lang="en-RU" smtClean="0"/>
-              <a:t>9/20/21</a:t>
+              <a:t>9/21/21</a:t>
             </a:fld>
             <a:endParaRPr lang="en-RU"/>
           </a:p>
@@ -3631,7 +3631,7 @@
           <a:p>
             <a:fld id="{EE9402D9-778F-0D48-A962-BFFF01F3C929}" type="datetimeFigureOut">
               <a:rPr lang="en-RU" smtClean="0"/>
-              <a:t>9/20/21</a:t>
+              <a:t>9/21/21</a:t>
             </a:fld>
             <a:endParaRPr lang="en-RU"/>
           </a:p>
@@ -3944,7 +3944,7 @@
           <a:p>
             <a:fld id="{EE9402D9-778F-0D48-A962-BFFF01F3C929}" type="datetimeFigureOut">
               <a:rPr lang="en-RU" smtClean="0"/>
-              <a:t>9/20/21</a:t>
+              <a:t>9/21/21</a:t>
             </a:fld>
             <a:endParaRPr lang="en-RU"/>
           </a:p>
@@ -4233,7 +4233,7 @@
           <a:p>
             <a:fld id="{EE9402D9-778F-0D48-A962-BFFF01F3C929}" type="datetimeFigureOut">
               <a:rPr lang="en-RU" smtClean="0"/>
-              <a:t>9/20/21</a:t>
+              <a:t>9/21/21</a:t>
             </a:fld>
             <a:endParaRPr lang="en-RU"/>
           </a:p>
@@ -4476,7 +4476,7 @@
           <a:p>
             <a:fld id="{EE9402D9-778F-0D48-A962-BFFF01F3C929}" type="datetimeFigureOut">
               <a:rPr lang="en-RU" smtClean="0"/>
-              <a:t>9/20/21</a:t>
+              <a:t>9/21/21</a:t>
             </a:fld>
             <a:endParaRPr lang="en-RU"/>
           </a:p>
@@ -11178,8 +11178,13 @@
           <a:p>
             <a:r>
               <a:rPr lang="en-US" dirty="0"/>
-              <a:t>GitHub instead of built-in Azure DevOps Repos</a:t>
-            </a:r>
+              <a:t>GitHub instead of built-in </a:t>
+            </a:r>
+            <a:r>
+              <a:rPr lang="en-US"/>
+              <a:t>Azure Repos Git</a:t>
+            </a:r>
+            <a:endParaRPr lang="en-US" dirty="0"/>
           </a:p>
           <a:p>
             <a:r>
